--- a/XAI/Szymon Maksymiuk/Compare predictive models created in different languages with.pptx
+++ b/XAI/Szymon Maksymiuk/Compare predictive models created in different languages with.pptx
@@ -8703,10 +8703,10 @@
       </p:sp>
       <p:pic>
         <p:nvPicPr>
-          <p:cNvPr id="12" name="Symbol zastępczy zawartości 11">
-            <a:extLst>
-              <a:ext uri="{FF2B5EF4-FFF2-40B4-BE49-F238E27FC236}">
-                <a16:creationId xmlns:a16="http://schemas.microsoft.com/office/drawing/2014/main" id="{613C1097-1FA4-4C4E-9F9D-ABAE684CDD56}"/>
+          <p:cNvPr id="8" name="Symbol zastępczy zawartości 7">
+            <a:extLst>
+              <a:ext uri="{FF2B5EF4-FFF2-40B4-BE49-F238E27FC236}">
+                <a16:creationId xmlns:a16="http://schemas.microsoft.com/office/drawing/2014/main" id="{A48AE221-9B7F-4D97-969E-A00B957F3727}"/>
               </a:ext>
             </a:extLst>
           </p:cNvPr>
@@ -8731,8 +8731,8 @@
         </p:blipFill>
         <p:spPr>
           <a:xfrm>
-            <a:off x="692780" y="262696"/>
-            <a:ext cx="10806439" cy="5633983"/>
+            <a:off x="420502" y="287353"/>
+            <a:ext cx="11350995" cy="5917889"/>
           </a:xfrm>
         </p:spPr>
       </p:pic>
@@ -10057,6 +10057,15 @@
           <a:lstStyle/>
           <a:p>
             <a:r>
+              <a:rPr lang="pl-PL" dirty="0"/>
+              <a:t>drwhy.ai</a:t>
+            </a:r>
+            <a:endParaRPr lang="pl-PL" dirty="0">
+              <a:hlinkClick r:id="rId2"/>
+            </a:endParaRPr>
+          </a:p>
+          <a:p>
+            <a:r>
               <a:rPr lang="en-GB" dirty="0">
                 <a:hlinkClick r:id="rId2"/>
               </a:rPr>
@@ -10107,6 +10116,9 @@
               </a:rPr>
               <a:t>ingredients</a:t>
             </a:r>
+            <a:endParaRPr lang="pl-PL" dirty="0"/>
+          </a:p>
+          <a:p>
             <a:endParaRPr lang="pl-PL" dirty="0"/>
           </a:p>
           <a:p>
